--- a/Scala.pptx
+++ b/Scala.pptx
@@ -13,6 +13,12 @@
     <p:sldId id="259" r:id="rId7"/>
     <p:sldId id="260" r:id="rId8"/>
     <p:sldId id="263" r:id="rId9"/>
+    <p:sldId id="264" r:id="rId10"/>
+    <p:sldId id="265" r:id="rId11"/>
+    <p:sldId id="267" r:id="rId12"/>
+    <p:sldId id="266" r:id="rId13"/>
+    <p:sldId id="268" r:id="rId14"/>
+    <p:sldId id="269" r:id="rId15"/>
   </p:sldIdLst>
   <p:sldSz cx="12192000" cy="6858000"/>
   <p:notesSz cx="6858000" cy="9144000"/>
@@ -3042,6 +3048,503 @@
 </p:sld>
 </file>
 
+<file path=ppt/slides/slide10.xml><?xml version="1.0" encoding="utf-8"?>
+<p:sld xmlns:a="http://schemas.openxmlformats.org/drawingml/2006/main" xmlns:r="http://schemas.openxmlformats.org/officeDocument/2006/relationships" xmlns:p="http://schemas.openxmlformats.org/presentationml/2006/main">
+  <p:cSld>
+    <p:spTree>
+      <p:nvGrpSpPr>
+        <p:cNvPr id="1" name=""/>
+        <p:cNvGrpSpPr/>
+        <p:nvPr/>
+      </p:nvGrpSpPr>
+      <p:grpSpPr>
+        <a:xfrm>
+          <a:off x="0" y="0"/>
+          <a:ext cx="0" cy="0"/>
+          <a:chOff x="0" y="0"/>
+          <a:chExt cx="0" cy="0"/>
+        </a:xfrm>
+      </p:grpSpPr>
+      <p:sp>
+        <p:nvSpPr>
+          <p:cNvPr id="2" name="Title 1"/>
+          <p:cNvSpPr>
+            <a:spLocks noGrp="1"/>
+          </p:cNvSpPr>
+          <p:nvPr>
+            <p:ph type="title"/>
+          </p:nvPr>
+        </p:nvSpPr>
+        <p:spPr/>
+        <p:txBody>
+          <a:bodyPr/>
+          <a:lstStyle/>
+          <a:p>
+            <a:r>
+              <a:rPr lang="sk-SK" dirty="0" smtClean="0"/>
+              <a:t>Concurrency</a:t>
+            </a:r>
+            <a:endParaRPr lang="sk-SK" dirty="0"/>
+          </a:p>
+        </p:txBody>
+      </p:sp>
+      <p:sp>
+        <p:nvSpPr>
+          <p:cNvPr id="7" name="Content Placeholder 6"/>
+          <p:cNvSpPr>
+            <a:spLocks noGrp="1"/>
+          </p:cNvSpPr>
+          <p:nvPr>
+            <p:ph idx="1"/>
+          </p:nvPr>
+        </p:nvSpPr>
+        <p:spPr/>
+        <p:txBody>
+          <a:bodyPr/>
+          <a:lstStyle/>
+          <a:p>
+            <a:r>
+              <a:rPr lang="sk-SK" dirty="0" smtClean="0"/>
+              <a:t>Future</a:t>
+            </a:r>
+          </a:p>
+          <a:p>
+            <a:r>
+              <a:rPr lang="en-US" dirty="0" smtClean="0"/>
+              <a:t>Actor </a:t>
+            </a:r>
+            <a:r>
+              <a:rPr lang="en-US" dirty="0"/>
+              <a:t>concurrency model </a:t>
+            </a:r>
+            <a:endParaRPr lang="sk-SK" dirty="0" smtClean="0"/>
+          </a:p>
+          <a:p>
+            <a:r>
+              <a:rPr lang="sk-SK" dirty="0" smtClean="0"/>
+              <a:t>Java threads</a:t>
+            </a:r>
+          </a:p>
+          <a:p>
+            <a:r>
+              <a:rPr lang="sk-SK" dirty="0" smtClean="0">
+                <a:hlinkClick r:id="rId2"/>
+              </a:rPr>
+              <a:t>AKKA</a:t>
+            </a:r>
+            <a:endParaRPr lang="sk-SK" dirty="0" smtClean="0"/>
+          </a:p>
+        </p:txBody>
+      </p:sp>
+      <p:pic>
+        <p:nvPicPr>
+          <p:cNvPr id="9" name="Content Placeholder 3"/>
+          <p:cNvPicPr>
+            <a:picLocks noChangeAspect="1"/>
+          </p:cNvPicPr>
+          <p:nvPr/>
+        </p:nvPicPr>
+        <p:blipFill>
+          <a:blip r:embed="rId3">
+            <a:extLst>
+              <a:ext uri="{28A0092B-C50C-407E-A947-70E740481C1C}">
+                <a14:useLocalDpi xmlns:a14="http://schemas.microsoft.com/office/drawing/2010/main" val="0"/>
+              </a:ext>
+            </a:extLst>
+          </a:blip>
+          <a:stretch>
+            <a:fillRect/>
+          </a:stretch>
+        </p:blipFill>
+        <p:spPr>
+          <a:xfrm>
+            <a:off x="6498131" y="2278706"/>
+            <a:ext cx="5538872" cy="4351338"/>
+          </a:xfrm>
+          <a:prstGeom prst="rect">
+            <a:avLst/>
+          </a:prstGeom>
+        </p:spPr>
+      </p:pic>
+    </p:spTree>
+    <p:extLst>
+      <p:ext uri="{BB962C8B-B14F-4D97-AF65-F5344CB8AC3E}">
+        <p14:creationId xmlns:p14="http://schemas.microsoft.com/office/powerpoint/2010/main" val="3353748709"/>
+      </p:ext>
+    </p:extLst>
+  </p:cSld>
+  <p:clrMapOvr>
+    <a:masterClrMapping/>
+  </p:clrMapOvr>
+  <p:timing>
+    <p:tnLst>
+      <p:par>
+        <p:cTn id="1" dur="indefinite" restart="never" nodeType="tmRoot"/>
+      </p:par>
+    </p:tnLst>
+  </p:timing>
+</p:sld>
+</file>
+
+<file path=ppt/slides/slide11.xml><?xml version="1.0" encoding="utf-8"?>
+<p:sld xmlns:a="http://schemas.openxmlformats.org/drawingml/2006/main" xmlns:r="http://schemas.openxmlformats.org/officeDocument/2006/relationships" xmlns:p="http://schemas.openxmlformats.org/presentationml/2006/main">
+  <p:cSld>
+    <p:spTree>
+      <p:nvGrpSpPr>
+        <p:cNvPr id="1" name=""/>
+        <p:cNvGrpSpPr/>
+        <p:nvPr/>
+      </p:nvGrpSpPr>
+      <p:grpSpPr>
+        <a:xfrm>
+          <a:off x="0" y="0"/>
+          <a:ext cx="0" cy="0"/>
+          <a:chOff x="0" y="0"/>
+          <a:chExt cx="0" cy="0"/>
+        </a:xfrm>
+      </p:grpSpPr>
+      <p:sp>
+        <p:nvSpPr>
+          <p:cNvPr id="2" name="Title 1"/>
+          <p:cNvSpPr>
+            <a:spLocks noGrp="1"/>
+          </p:cNvSpPr>
+          <p:nvPr>
+            <p:ph type="title"/>
+          </p:nvPr>
+        </p:nvSpPr>
+        <p:spPr/>
+        <p:txBody>
+          <a:bodyPr/>
+          <a:lstStyle/>
+          <a:p>
+            <a:r>
+              <a:rPr lang="sk-SK" dirty="0" smtClean="0"/>
+              <a:t>Knižnice</a:t>
+            </a:r>
+            <a:endParaRPr lang="sk-SK" dirty="0"/>
+          </a:p>
+        </p:txBody>
+      </p:sp>
+      <p:sp>
+        <p:nvSpPr>
+          <p:cNvPr id="3" name="Content Placeholder 2"/>
+          <p:cNvSpPr>
+            <a:spLocks noGrp="1"/>
+          </p:cNvSpPr>
+          <p:nvPr>
+            <p:ph idx="1"/>
+          </p:nvPr>
+        </p:nvSpPr>
+        <p:spPr/>
+        <p:txBody>
+          <a:bodyPr/>
+          <a:lstStyle/>
+          <a:p>
+            <a:r>
+              <a:rPr lang="sk-SK" dirty="0">
+                <a:hlinkClick r:id="rId2"/>
+              </a:rPr>
+              <a:t>https://github.com/lauris/awesome-scala</a:t>
+            </a:r>
+            <a:endParaRPr lang="sk-SK" dirty="0"/>
+          </a:p>
+          <a:p>
+            <a:endParaRPr lang="sk-SK" dirty="0"/>
+          </a:p>
+        </p:txBody>
+      </p:sp>
+    </p:spTree>
+    <p:extLst>
+      <p:ext uri="{BB962C8B-B14F-4D97-AF65-F5344CB8AC3E}">
+        <p14:creationId xmlns:p14="http://schemas.microsoft.com/office/powerpoint/2010/main" val="1764902136"/>
+      </p:ext>
+    </p:extLst>
+  </p:cSld>
+  <p:clrMapOvr>
+    <a:masterClrMapping/>
+  </p:clrMapOvr>
+</p:sld>
+</file>
+
+<file path=ppt/slides/slide12.xml><?xml version="1.0" encoding="utf-8"?>
+<p:sld xmlns:a="http://schemas.openxmlformats.org/drawingml/2006/main" xmlns:r="http://schemas.openxmlformats.org/officeDocument/2006/relationships" xmlns:p="http://schemas.openxmlformats.org/presentationml/2006/main">
+  <p:cSld>
+    <p:spTree>
+      <p:nvGrpSpPr>
+        <p:cNvPr id="1" name=""/>
+        <p:cNvGrpSpPr/>
+        <p:nvPr/>
+      </p:nvGrpSpPr>
+      <p:grpSpPr>
+        <a:xfrm>
+          <a:off x="0" y="0"/>
+          <a:ext cx="0" cy="0"/>
+          <a:chOff x="0" y="0"/>
+          <a:chExt cx="0" cy="0"/>
+        </a:xfrm>
+      </p:grpSpPr>
+      <p:sp>
+        <p:nvSpPr>
+          <p:cNvPr id="2" name="Title 1"/>
+          <p:cNvSpPr>
+            <a:spLocks noGrp="1"/>
+          </p:cNvSpPr>
+          <p:nvPr>
+            <p:ph type="title"/>
+          </p:nvPr>
+        </p:nvSpPr>
+        <p:spPr/>
+        <p:txBody>
+          <a:bodyPr/>
+          <a:lstStyle/>
+          <a:p>
+            <a:r>
+              <a:rPr lang="sk-SK" dirty="0" smtClean="0"/>
+              <a:t>Kto to používa ?</a:t>
+            </a:r>
+            <a:endParaRPr lang="sk-SK" dirty="0"/>
+          </a:p>
+        </p:txBody>
+      </p:sp>
+      <p:sp>
+        <p:nvSpPr>
+          <p:cNvPr id="3" name="Content Placeholder 2"/>
+          <p:cNvSpPr>
+            <a:spLocks noGrp="1"/>
+          </p:cNvSpPr>
+          <p:nvPr>
+            <p:ph idx="1"/>
+          </p:nvPr>
+        </p:nvSpPr>
+        <p:spPr/>
+        <p:txBody>
+          <a:bodyPr/>
+          <a:lstStyle/>
+          <a:p>
+            <a:r>
+              <a:rPr lang="sk-SK" dirty="0" smtClean="0"/>
+              <a:t>LinkedIn</a:t>
+            </a:r>
+          </a:p>
+          <a:p>
+            <a:r>
+              <a:rPr lang="sk-SK" dirty="0"/>
+              <a:t>The </a:t>
+            </a:r>
+            <a:r>
+              <a:rPr lang="sk-SK" dirty="0" smtClean="0"/>
+              <a:t>Guardian</a:t>
+            </a:r>
+          </a:p>
+          <a:p>
+            <a:r>
+              <a:rPr lang="sk-SK" dirty="0"/>
+              <a:t>FourSquare</a:t>
+            </a:r>
+            <a:endParaRPr lang="sk-SK" dirty="0" smtClean="0"/>
+          </a:p>
+          <a:p>
+            <a:r>
+              <a:rPr lang="sk-SK" dirty="0" smtClean="0"/>
+              <a:t>Twitter</a:t>
+            </a:r>
+          </a:p>
+          <a:p>
+            <a:r>
+              <a:rPr lang="sk-SK" dirty="0"/>
+              <a:t>Apache </a:t>
+            </a:r>
+            <a:r>
+              <a:rPr lang="sk-SK" dirty="0" smtClean="0"/>
+              <a:t>Kafka</a:t>
+            </a:r>
+          </a:p>
+          <a:p>
+            <a:r>
+              <a:rPr lang="sk-SK" dirty="0" smtClean="0"/>
+              <a:t>Lichess</a:t>
+            </a:r>
+          </a:p>
+        </p:txBody>
+      </p:sp>
+    </p:spTree>
+    <p:extLst>
+      <p:ext uri="{BB962C8B-B14F-4D97-AF65-F5344CB8AC3E}">
+        <p14:creationId xmlns:p14="http://schemas.microsoft.com/office/powerpoint/2010/main" val="3902521918"/>
+      </p:ext>
+    </p:extLst>
+  </p:cSld>
+  <p:clrMapOvr>
+    <a:masterClrMapping/>
+  </p:clrMapOvr>
+</p:sld>
+</file>
+
+<file path=ppt/slides/slide13.xml><?xml version="1.0" encoding="utf-8"?>
+<p:sld xmlns:a="http://schemas.openxmlformats.org/drawingml/2006/main" xmlns:r="http://schemas.openxmlformats.org/officeDocument/2006/relationships" xmlns:p="http://schemas.openxmlformats.org/presentationml/2006/main">
+  <p:cSld>
+    <p:spTree>
+      <p:nvGrpSpPr>
+        <p:cNvPr id="1" name=""/>
+        <p:cNvGrpSpPr/>
+        <p:nvPr/>
+      </p:nvGrpSpPr>
+      <p:grpSpPr>
+        <a:xfrm>
+          <a:off x="0" y="0"/>
+          <a:ext cx="0" cy="0"/>
+          <a:chOff x="0" y="0"/>
+          <a:chExt cx="0" cy="0"/>
+        </a:xfrm>
+      </p:grpSpPr>
+      <p:sp>
+        <p:nvSpPr>
+          <p:cNvPr id="2" name="Title 1"/>
+          <p:cNvSpPr>
+            <a:spLocks noGrp="1"/>
+          </p:cNvSpPr>
+          <p:nvPr>
+            <p:ph type="title"/>
+          </p:nvPr>
+        </p:nvSpPr>
+        <p:spPr/>
+        <p:txBody>
+          <a:bodyPr/>
+          <a:lstStyle/>
+          <a:p>
+            <a:r>
+              <a:rPr lang="sk-SK" b="1" dirty="0" smtClean="0"/>
+              <a:t>Scala.js</a:t>
+            </a:r>
+            <a:endParaRPr lang="sk-SK" dirty="0"/>
+          </a:p>
+        </p:txBody>
+      </p:sp>
+      <p:sp>
+        <p:nvSpPr>
+          <p:cNvPr id="3" name="Content Placeholder 2"/>
+          <p:cNvSpPr>
+            <a:spLocks noGrp="1"/>
+          </p:cNvSpPr>
+          <p:nvPr>
+            <p:ph idx="1"/>
+          </p:nvPr>
+        </p:nvSpPr>
+        <p:spPr/>
+        <p:txBody>
+          <a:bodyPr/>
+          <a:lstStyle/>
+          <a:p>
+            <a:r>
+              <a:rPr lang="sk-SK" dirty="0" smtClean="0"/>
+              <a:t>Compiler</a:t>
+            </a:r>
+          </a:p>
+          <a:p>
+            <a:r>
+              <a:rPr lang="sk-SK" dirty="0" smtClean="0"/>
+              <a:t>Scala =&gt; Javascript</a:t>
+            </a:r>
+          </a:p>
+        </p:txBody>
+      </p:sp>
+      <p:pic>
+        <p:nvPicPr>
+          <p:cNvPr id="4" name="Picture 3"/>
+          <p:cNvPicPr>
+            <a:picLocks noChangeAspect="1"/>
+          </p:cNvPicPr>
+          <p:nvPr/>
+        </p:nvPicPr>
+        <p:blipFill>
+          <a:blip r:embed="rId2">
+            <a:extLst>
+              <a:ext uri="{28A0092B-C50C-407E-A947-70E740481C1C}">
+                <a14:useLocalDpi xmlns:a14="http://schemas.microsoft.com/office/drawing/2010/main" val="0"/>
+              </a:ext>
+            </a:extLst>
+          </a:blip>
+          <a:stretch>
+            <a:fillRect/>
+          </a:stretch>
+        </p:blipFill>
+        <p:spPr>
+          <a:xfrm>
+            <a:off x="1066800" y="2894402"/>
+            <a:ext cx="10058400" cy="3417498"/>
+          </a:xfrm>
+          <a:prstGeom prst="rect">
+            <a:avLst/>
+          </a:prstGeom>
+        </p:spPr>
+      </p:pic>
+    </p:spTree>
+    <p:extLst>
+      <p:ext uri="{BB962C8B-B14F-4D97-AF65-F5344CB8AC3E}">
+        <p14:creationId xmlns:p14="http://schemas.microsoft.com/office/powerpoint/2010/main" val="903726156"/>
+      </p:ext>
+    </p:extLst>
+  </p:cSld>
+  <p:clrMapOvr>
+    <a:masterClrMapping/>
+  </p:clrMapOvr>
+</p:sld>
+</file>
+
+<file path=ppt/slides/slide14.xml><?xml version="1.0" encoding="utf-8"?>
+<p:sld xmlns:a="http://schemas.openxmlformats.org/drawingml/2006/main" xmlns:r="http://schemas.openxmlformats.org/officeDocument/2006/relationships" xmlns:p="http://schemas.openxmlformats.org/presentationml/2006/main">
+  <p:cSld>
+    <p:spTree>
+      <p:nvGrpSpPr>
+        <p:cNvPr id="1" name=""/>
+        <p:cNvGrpSpPr/>
+        <p:nvPr/>
+      </p:nvGrpSpPr>
+      <p:grpSpPr>
+        <a:xfrm>
+          <a:off x="0" y="0"/>
+          <a:ext cx="0" cy="0"/>
+          <a:chOff x="0" y="0"/>
+          <a:chExt cx="0" cy="0"/>
+        </a:xfrm>
+      </p:grpSpPr>
+      <p:sp>
+        <p:nvSpPr>
+          <p:cNvPr id="2" name="Title 1"/>
+          <p:cNvSpPr>
+            <a:spLocks noGrp="1"/>
+          </p:cNvSpPr>
+          <p:nvPr>
+            <p:ph type="ctrTitle"/>
+          </p:nvPr>
+        </p:nvSpPr>
+        <p:spPr/>
+        <p:txBody>
+          <a:bodyPr/>
+          <a:lstStyle/>
+          <a:p>
+            <a:r>
+              <a:rPr lang="sk-SK" dirty="0" smtClean="0"/>
+              <a:t>Otázky</a:t>
+            </a:r>
+            <a:endParaRPr lang="sk-SK" dirty="0"/>
+          </a:p>
+        </p:txBody>
+      </p:sp>
+    </p:spTree>
+    <p:extLst>
+      <p:ext uri="{BB962C8B-B14F-4D97-AF65-F5344CB8AC3E}">
+        <p14:creationId xmlns:p14="http://schemas.microsoft.com/office/powerpoint/2010/main" val="1513712317"/>
+      </p:ext>
+    </p:extLst>
+  </p:cSld>
+  <p:clrMapOvr>
+    <a:masterClrMapping/>
+  </p:clrMapOvr>
+</p:sld>
+</file>
+
 <file path=ppt/slides/slide2.xml><?xml version="1.0" encoding="utf-8"?>
 <p:sld xmlns:a="http://schemas.openxmlformats.org/drawingml/2006/main" xmlns:r="http://schemas.openxmlformats.org/officeDocument/2006/relationships" xmlns:p="http://schemas.openxmlformats.org/presentationml/2006/main">
   <p:cSld>
@@ -3133,6 +3636,36 @@
           </a:p>
         </p:txBody>
       </p:sp>
+      <p:pic>
+        <p:nvPicPr>
+          <p:cNvPr id="3" name="Picture 2"/>
+          <p:cNvPicPr>
+            <a:picLocks noChangeAspect="1"/>
+          </p:cNvPicPr>
+          <p:nvPr/>
+        </p:nvPicPr>
+        <p:blipFill>
+          <a:blip r:embed="rId2">
+            <a:extLst>
+              <a:ext uri="{28A0092B-C50C-407E-A947-70E740481C1C}">
+                <a14:useLocalDpi xmlns:a14="http://schemas.microsoft.com/office/drawing/2010/main" val="0"/>
+              </a:ext>
+            </a:extLst>
+          </a:blip>
+          <a:stretch>
+            <a:fillRect/>
+          </a:stretch>
+        </p:blipFill>
+        <p:spPr>
+          <a:xfrm>
+            <a:off x="6034731" y="484488"/>
+            <a:ext cx="5905500" cy="5905500"/>
+          </a:xfrm>
+          <a:prstGeom prst="rect">
+            <a:avLst/>
+          </a:prstGeom>
+        </p:spPr>
+      </p:pic>
     </p:spTree>
     <p:extLst>
       <p:ext uri="{BB962C8B-B14F-4D97-AF65-F5344CB8AC3E}">
@@ -3232,6 +3765,13 @@
   <p:clrMapOvr>
     <a:masterClrMapping/>
   </p:clrMapOvr>
+  <p:timing>
+    <p:tnLst>
+      <p:par>
+        <p:cTn id="1" dur="indefinite" restart="never" nodeType="tmRoot"/>
+      </p:par>
+    </p:tnLst>
+  </p:timing>
 </p:sld>
 </file>
 
@@ -3285,6 +3825,13 @@
   <p:clrMapOvr>
     <a:masterClrMapping/>
   </p:clrMapOvr>
+  <p:timing>
+    <p:tnLst>
+      <p:par>
+        <p:cTn id="1" dur="indefinite" restart="never" nodeType="tmRoot"/>
+      </p:par>
+    </p:tnLst>
+  </p:timing>
 </p:sld>
 </file>
 
@@ -3353,6 +3900,36 @@
           </a:p>
         </p:txBody>
       </p:sp>
+      <p:pic>
+        <p:nvPicPr>
+          <p:cNvPr id="7" name="Picture 6"/>
+          <p:cNvPicPr>
+            <a:picLocks noChangeAspect="1"/>
+          </p:cNvPicPr>
+          <p:nvPr/>
+        </p:nvPicPr>
+        <p:blipFill>
+          <a:blip r:embed="rId2">
+            <a:extLst>
+              <a:ext uri="{28A0092B-C50C-407E-A947-70E740481C1C}">
+                <a14:useLocalDpi xmlns:a14="http://schemas.microsoft.com/office/drawing/2010/main" val="0"/>
+              </a:ext>
+            </a:extLst>
+          </a:blip>
+          <a:stretch>
+            <a:fillRect/>
+          </a:stretch>
+        </p:blipFill>
+        <p:spPr>
+          <a:xfrm>
+            <a:off x="6466186" y="2139778"/>
+            <a:ext cx="5322159" cy="4428036"/>
+          </a:xfrm>
+          <a:prstGeom prst="rect">
+            <a:avLst/>
+          </a:prstGeom>
+        </p:spPr>
+      </p:pic>
     </p:spTree>
     <p:extLst>
       <p:ext uri="{BB962C8B-B14F-4D97-AF65-F5344CB8AC3E}">
@@ -3363,6 +3940,13 @@
   <p:clrMapOvr>
     <a:masterClrMapping/>
   </p:clrMapOvr>
+  <p:timing>
+    <p:tnLst>
+      <p:par>
+        <p:cTn id="1" dur="indefinite" restart="never" nodeType="tmRoot"/>
+      </p:par>
+    </p:tnLst>
+  </p:timing>
 </p:sld>
 </file>
 
@@ -3421,7 +4005,35 @@
           <a:bodyPr/>
           <a:lstStyle/>
           <a:p>
-            <a:endParaRPr lang="sk-SK"/>
+            <a:r>
+              <a:rPr lang="sk-SK" dirty="0" smtClean="0"/>
+              <a:t>triedy ako v ostatných jazykoch</a:t>
+            </a:r>
+          </a:p>
+          <a:p>
+            <a:r>
+              <a:rPr lang="sk-SK" dirty="0" smtClean="0"/>
+              <a:t>Netipický konštruktor</a:t>
+            </a:r>
+          </a:p>
+          <a:p>
+            <a:r>
+              <a:rPr lang="sk-SK" dirty="0" smtClean="0"/>
+              <a:t>„Objects“ </a:t>
+            </a:r>
+            <a:r>
+              <a:rPr lang="sk-SK" smtClean="0"/>
+              <a:t>= s</a:t>
+            </a:r>
+            <a:r>
+              <a:rPr lang="sk-SK" i="1" smtClean="0"/>
+              <a:t>ingleton </a:t>
+            </a:r>
+            <a:r>
+              <a:rPr lang="sk-SK" i="1" dirty="0" smtClean="0"/>
+              <a:t>objects = staticke metódy</a:t>
+            </a:r>
+            <a:endParaRPr lang="sk-SK" dirty="0" smtClean="0"/>
           </a:p>
         </p:txBody>
       </p:sp>
@@ -3435,6 +4047,13 @@
   <p:clrMapOvr>
     <a:masterClrMapping/>
   </p:clrMapOvr>
+  <p:timing>
+    <p:tnLst>
+      <p:par>
+        <p:cTn id="1" dur="indefinite" restart="never" nodeType="tmRoot"/>
+      </p:par>
+    </p:tnLst>
+  </p:timing>
 </p:sld>
 </file>
 
@@ -3503,6 +4122,12 @@
               <a:rPr lang="sk-SK" dirty="0" smtClean="0"/>
               <a:t>Porovnávajú sa podľa hodnoty</a:t>
             </a:r>
+          </a:p>
+          <a:p>
+            <a:r>
+              <a:rPr lang="sk-SK" dirty="0" smtClean="0"/>
+              <a:t>Užitočné pre „pattern matching“</a:t>
+            </a:r>
             <a:endParaRPr lang="sk-SK" dirty="0"/>
           </a:p>
         </p:txBody>
@@ -3517,6 +4142,13 @@
   <p:clrMapOvr>
     <a:masterClrMapping/>
   </p:clrMapOvr>
+  <p:timing>
+    <p:tnLst>
+      <p:par>
+        <p:cTn id="1" dur="indefinite" restart="never" nodeType="tmRoot"/>
+      </p:par>
+    </p:tnLst>
+  </p:timing>
 </p:sld>
 </file>
 
@@ -3588,7 +4220,7 @@
           </a:p>
           <a:p>
             <a:r>
-              <a:rPr lang="sk-SK" smtClean="0"/>
+              <a:rPr lang="sk-SK" dirty="0" smtClean="0"/>
               <a:t>Podobné Java 8 interface</a:t>
             </a:r>
           </a:p>
@@ -3610,6 +4242,98 @@
   <p:clrMapOvr>
     <a:masterClrMapping/>
   </p:clrMapOvr>
+  <p:timing>
+    <p:tnLst>
+      <p:par>
+        <p:cTn id="1" dur="indefinite" restart="never" nodeType="tmRoot"/>
+      </p:par>
+    </p:tnLst>
+  </p:timing>
+</p:sld>
+</file>
+
+<file path=ppt/slides/slide9.xml><?xml version="1.0" encoding="utf-8"?>
+<p:sld xmlns:a="http://schemas.openxmlformats.org/drawingml/2006/main" xmlns:r="http://schemas.openxmlformats.org/officeDocument/2006/relationships" xmlns:p="http://schemas.openxmlformats.org/presentationml/2006/main">
+  <p:cSld>
+    <p:spTree>
+      <p:nvGrpSpPr>
+        <p:cNvPr id="1" name=""/>
+        <p:cNvGrpSpPr/>
+        <p:nvPr/>
+      </p:nvGrpSpPr>
+      <p:grpSpPr>
+        <a:xfrm>
+          <a:off x="0" y="0"/>
+          <a:ext cx="0" cy="0"/>
+          <a:chOff x="0" y="0"/>
+          <a:chExt cx="0" cy="0"/>
+        </a:xfrm>
+      </p:grpSpPr>
+      <p:sp>
+        <p:nvSpPr>
+          <p:cNvPr id="2" name="Title 1"/>
+          <p:cNvSpPr>
+            <a:spLocks noGrp="1"/>
+          </p:cNvSpPr>
+          <p:nvPr>
+            <p:ph type="title"/>
+          </p:nvPr>
+        </p:nvSpPr>
+        <p:spPr/>
+        <p:txBody>
+          <a:bodyPr/>
+          <a:lstStyle/>
+          <a:p>
+            <a:endParaRPr lang="sk-SK" dirty="0"/>
+          </a:p>
+        </p:txBody>
+      </p:sp>
+      <p:pic>
+        <p:nvPicPr>
+          <p:cNvPr id="4" name="Content Placeholder 3"/>
+          <p:cNvPicPr>
+            <a:picLocks noGrp="1" noChangeAspect="1"/>
+          </p:cNvPicPr>
+          <p:nvPr>
+            <p:ph idx="1"/>
+          </p:nvPr>
+        </p:nvPicPr>
+        <p:blipFill>
+          <a:blip r:embed="rId2" cstate="print">
+            <a:extLst>
+              <a:ext uri="{28A0092B-C50C-407E-A947-70E740481C1C}">
+                <a14:useLocalDpi xmlns:a14="http://schemas.microsoft.com/office/drawing/2010/main" val="0"/>
+              </a:ext>
+            </a:extLst>
+          </a:blip>
+          <a:stretch>
+            <a:fillRect/>
+          </a:stretch>
+        </p:blipFill>
+        <p:spPr>
+          <a:xfrm>
+            <a:off x="2275702" y="0"/>
+            <a:ext cx="7640595" cy="6845975"/>
+          </a:xfrm>
+        </p:spPr>
+      </p:pic>
+    </p:spTree>
+    <p:extLst>
+      <p:ext uri="{BB962C8B-B14F-4D97-AF65-F5344CB8AC3E}">
+        <p14:creationId xmlns:p14="http://schemas.microsoft.com/office/powerpoint/2010/main" val="2145107128"/>
+      </p:ext>
+    </p:extLst>
+  </p:cSld>
+  <p:clrMapOvr>
+    <a:masterClrMapping/>
+  </p:clrMapOvr>
+  <p:timing>
+    <p:tnLst>
+      <p:par>
+        <p:cTn id="1" dur="indefinite" restart="never" nodeType="tmRoot"/>
+      </p:par>
+    </p:tnLst>
+  </p:timing>
 </p:sld>
 </file>
 
